--- a/Dépouillement_Roulage/reports/templateRenault.pptx
+++ b/Dépouillement_Roulage/reports/templateRenault.pptx
@@ -21903,7 +21903,7 @@
         <p:spPr>
           <a:xfrm>
             <a:off x="421450" y="3771900"/>
-            <a:ext cx="6160327" cy="714375"/>
+            <a:ext cx="11355450" cy="714375"/>
           </a:xfrm>
           <a:prstGeom prst="rect">
             <a:avLst/>
@@ -21990,7 +21990,7 @@
         <p:spPr>
           <a:xfrm>
             <a:off x="414338" y="4486275"/>
-            <a:ext cx="6160327" cy="714375"/>
+            <a:ext cx="11355450" cy="714375"/>
           </a:xfrm>
           <a:prstGeom prst="rect">
             <a:avLst/>
@@ -27150,12 +27150,9 @@
 </file>
 
 <file path=customXml/item1.xml><?xml version="1.0" encoding="utf-8"?>
-<?mso-contentType ?>
-<FormTemplates xmlns="http://schemas.microsoft.com/sharepoint/v3/contenttype/forms">
-  <Display>DocumentLibraryForm</Display>
-  <Edit>DocumentLibraryForm</Edit>
-  <New>DocumentLibraryForm</New>
-</FormTemplates>
+<p:properties xmlns:p="http://schemas.microsoft.com/office/2006/metadata/properties" xmlns:xsi="http://www.w3.org/2001/XMLSchema-instance" xmlns:pc="http://schemas.microsoft.com/office/infopath/2007/PartnerControls">
+  <documentManagement/>
+</p:properties>
 </file>
 
 <file path=customXml/item2.xml><?xml version="1.0" encoding="utf-8"?>
@@ -27376,15 +27373,27 @@
 </file>
 
 <file path=customXml/item3.xml><?xml version="1.0" encoding="utf-8"?>
-<p:properties xmlns:p="http://schemas.microsoft.com/office/2006/metadata/properties" xmlns:xsi="http://www.w3.org/2001/XMLSchema-instance" xmlns:pc="http://schemas.microsoft.com/office/infopath/2007/PartnerControls">
-  <documentManagement/>
-</p:properties>
+<?mso-contentType ?>
+<FormTemplates xmlns="http://schemas.microsoft.com/sharepoint/v3/contenttype/forms">
+  <Display>DocumentLibraryForm</Display>
+  <Edit>DocumentLibraryForm</Edit>
+  <New>DocumentLibraryForm</New>
+</FormTemplates>
 </file>
 
 <file path=customXml/itemProps1.xml><?xml version="1.0" encoding="utf-8"?>
-<ds:datastoreItem xmlns:ds="http://schemas.openxmlformats.org/officeDocument/2006/customXml" ds:itemID="{4592AF14-2485-4350-B148-A031D3E185F5}">
+<ds:datastoreItem xmlns:ds="http://schemas.openxmlformats.org/officeDocument/2006/customXml" ds:itemID="{AF5428B4-4495-4A7F-8E2A-7EE921581ED5}">
   <ds:schemaRefs>
-    <ds:schemaRef ds:uri="http://schemas.microsoft.com/sharepoint/v3/contenttype/forms"/>
+    <ds:schemaRef ds:uri="http://schemas.microsoft.com/office/2006/documentManagement/types"/>
+    <ds:schemaRef ds:uri="http://schemas.microsoft.com/office/infopath/2007/PartnerControls"/>
+    <ds:schemaRef ds:uri="6142cde8-ffc6-4a45-b1b5-26a3af978680"/>
+    <ds:schemaRef ds:uri="http://purl.org/dc/elements/1.1/"/>
+    <ds:schemaRef ds:uri="http://schemas.microsoft.com/office/2006/metadata/properties"/>
+    <ds:schemaRef ds:uri="d02705b8-3556-4d8a-854c-2b54156e1abf"/>
+    <ds:schemaRef ds:uri="http://purl.org/dc/terms/"/>
+    <ds:schemaRef ds:uri="http://schemas.openxmlformats.org/package/2006/metadata/core-properties"/>
+    <ds:schemaRef ds:uri="http://www.w3.org/XML/1998/namespace"/>
+    <ds:schemaRef ds:uri="http://purl.org/dc/dcmitype/"/>
   </ds:schemaRefs>
 </ds:datastoreItem>
 </file>
@@ -27409,18 +27418,9 @@
 </file>
 
 <file path=customXml/itemProps3.xml><?xml version="1.0" encoding="utf-8"?>
-<ds:datastoreItem xmlns:ds="http://schemas.openxmlformats.org/officeDocument/2006/customXml" ds:itemID="{AF5428B4-4495-4A7F-8E2A-7EE921581ED5}">
+<ds:datastoreItem xmlns:ds="http://schemas.openxmlformats.org/officeDocument/2006/customXml" ds:itemID="{4592AF14-2485-4350-B148-A031D3E185F5}">
   <ds:schemaRefs>
-    <ds:schemaRef ds:uri="http://schemas.microsoft.com/office/2006/documentManagement/types"/>
-    <ds:schemaRef ds:uri="http://schemas.microsoft.com/office/infopath/2007/PartnerControls"/>
-    <ds:schemaRef ds:uri="6142cde8-ffc6-4a45-b1b5-26a3af978680"/>
-    <ds:schemaRef ds:uri="http://purl.org/dc/elements/1.1/"/>
-    <ds:schemaRef ds:uri="http://schemas.microsoft.com/office/2006/metadata/properties"/>
-    <ds:schemaRef ds:uri="d02705b8-3556-4d8a-854c-2b54156e1abf"/>
-    <ds:schemaRef ds:uri="http://purl.org/dc/terms/"/>
-    <ds:schemaRef ds:uri="http://schemas.openxmlformats.org/package/2006/metadata/core-properties"/>
-    <ds:schemaRef ds:uri="http://www.w3.org/XML/1998/namespace"/>
-    <ds:schemaRef ds:uri="http://purl.org/dc/dcmitype/"/>
+    <ds:schemaRef ds:uri="http://schemas.microsoft.com/sharepoint/v3/contenttype/forms"/>
   </ds:schemaRefs>
 </ds:datastoreItem>
 </file>